--- a/ar.pptx
+++ b/ar.pptx
@@ -110,6 +110,11 @@
       </a:defRPr>
     </a:lvl9pPr>
   </p:defaultTextStyle>
+  <p:extLst>
+    <p:ext uri="{EFAFB233-063F-42B5-8137-9DF3F51BA10A}">
+      <p15:sldGuideLst xmlns:p15="http://schemas.microsoft.com/office/powerpoint/2012/main"/>
+    </p:ext>
+  </p:extLst>
 </p:presentation>
 </file>
 
@@ -3334,6 +3339,14 @@
 <file path=ppt/slides/slide1.xml><?xml version="1.0" encoding="utf-8"?>
 <p:sld xmlns:a="http://schemas.openxmlformats.org/drawingml/2006/main" xmlns:r="http://schemas.openxmlformats.org/officeDocument/2006/relationships" xmlns:p="http://schemas.openxmlformats.org/presentationml/2006/main">
   <p:cSld>
+    <p:bg>
+      <p:bgPr>
+        <a:solidFill>
+          <a:schemeClr val="bg1"/>
+        </a:solidFill>
+        <a:effectLst/>
+      </p:bgPr>
+    </p:bg>
     <p:spTree>
       <p:nvGrpSpPr>
         <p:cNvPr id="1" name=""/>
@@ -3348,6 +3361,52 @@
           <a:chExt cx="0" cy="0"/>
         </a:xfrm>
       </p:grpSpPr>
+      <p:pic>
+        <p:nvPicPr>
+          <p:cNvPr id="1028" name="Picture 4" descr="Изображение выглядит как снимок экрана, Фиолетовый, фиолетовый, человек&#10;&#10;Контент, сгенерированный ИИ, может содержать ошибки.">
+            <a:extLst>
+              <a:ext uri="{FF2B5EF4-FFF2-40B4-BE49-F238E27FC236}">
+                <a16:creationId xmlns:a16="http://schemas.microsoft.com/office/drawing/2014/main" id="{C3E69E99-42B2-4018-2C7B-7CEEFD7A1235}"/>
+              </a:ext>
+            </a:extLst>
+          </p:cNvPr>
+          <p:cNvPicPr>
+            <a:picLocks noChangeAspect="1" noChangeArrowheads="1"/>
+          </p:cNvPicPr>
+          <p:nvPr/>
+        </p:nvPicPr>
+        <p:blipFill>
+          <a:blip r:embed="rId2">
+            <a:alphaModFix amt="40000"/>
+            <a:extLst>
+              <a:ext uri="{28A0092B-C50C-407E-A947-70E740481C1C}">
+                <a14:useLocalDpi xmlns:a14="http://schemas.microsoft.com/office/drawing/2010/main" val="0"/>
+              </a:ext>
+            </a:extLst>
+          </a:blip>
+          <a:srcRect b="15730"/>
+          <a:stretch/>
+        </p:blipFill>
+        <p:spPr bwMode="auto">
+          <a:xfrm>
+            <a:off x="20" y="10"/>
+            <a:ext cx="12191980" cy="6857990"/>
+          </a:xfrm>
+          <a:prstGeom prst="rect">
+            <a:avLst/>
+          </a:prstGeom>
+          <a:noFill/>
+          <a:extLst>
+            <a:ext uri="{909E8E84-426E-40DD-AFC4-6F175D3DCCD1}">
+              <a14:hiddenFill xmlns:a14="http://schemas.microsoft.com/office/drawing/2010/main">
+                <a:solidFill>
+                  <a:srgbClr val="FFFFFF"/>
+                </a:solidFill>
+              </a14:hiddenFill>
+            </a:ext>
+          </a:extLst>
+        </p:spPr>
+      </p:pic>
       <p:sp>
         <p:nvSpPr>
           <p:cNvPr id="2" name="Заголовок 1">
@@ -3366,59 +3425,53 @@
         </p:nvSpPr>
         <p:spPr>
           <a:xfrm>
-            <a:off x="1670304" y="2235200"/>
-            <a:ext cx="9144000" cy="2387600"/>
+            <a:off x="626872" y="1920240"/>
+            <a:ext cx="5252720" cy="1622277"/>
           </a:xfrm>
         </p:spPr>
         <p:txBody>
-          <a:bodyPr/>
-          <a:lstStyle/>
-          <a:p>
-            <a:r>
-              <a:rPr lang="en-US" b="0" i="0" dirty="0">
-                <a:solidFill>
-                  <a:srgbClr val="333333"/>
-                </a:solidFill>
+          <a:bodyPr>
+            <a:noAutofit/>
+          </a:bodyPr>
+          <a:lstStyle/>
+          <a:p>
+            <a:pPr algn="l"/>
+            <a:r>
+              <a:rPr lang="en-US" sz="4000" b="0" i="0" dirty="0">
+                <a:ln w="22225">
+                  <a:solidFill>
+                    <a:schemeClr val="tx1"/>
+                  </a:solidFill>
+                  <a:miter lim="800000"/>
+                </a:ln>
+                <a:noFill/>
                 <a:effectLst/>
                 <a:latin typeface="Poppins" panose="00000500000000000000" pitchFamily="2" charset="0"/>
               </a:rPr>
               <a:t>Augmented Reality</a:t>
             </a:r>
             <a:br>
-              <a:rPr lang="en-US" b="0" i="0" dirty="0">
-                <a:solidFill>
-                  <a:srgbClr val="333333"/>
-                </a:solidFill>
+              <a:rPr lang="en-US" sz="4000" b="0" i="0" dirty="0">
+                <a:ln w="22225">
+                  <a:solidFill>
+                    <a:schemeClr val="tx1"/>
+                  </a:solidFill>
+                  <a:miter lim="800000"/>
+                </a:ln>
+                <a:noFill/>
                 <a:effectLst/>
                 <a:latin typeface="Poppins" panose="00000500000000000000" pitchFamily="2" charset="0"/>
               </a:rPr>
             </a:br>
-            <a:endParaRPr lang="ru-KZ" dirty="0"/>
-          </a:p>
-        </p:txBody>
-      </p:sp>
-      <p:sp>
-        <p:nvSpPr>
-          <p:cNvPr id="3" name="Подзаголовок 2">
-            <a:extLst>
-              <a:ext uri="{FF2B5EF4-FFF2-40B4-BE49-F238E27FC236}">
-                <a16:creationId xmlns:a16="http://schemas.microsoft.com/office/drawing/2014/main" id="{65FE83CE-2221-1610-F43D-A37D2BF5FA5C}"/>
-              </a:ext>
-            </a:extLst>
-          </p:cNvPr>
-          <p:cNvSpPr>
-            <a:spLocks noGrp="1"/>
-          </p:cNvSpPr>
-          <p:nvPr>
-            <p:ph type="subTitle" idx="1"/>
-          </p:nvPr>
-        </p:nvSpPr>
-        <p:spPr/>
-        <p:txBody>
-          <a:bodyPr/>
-          <a:lstStyle/>
-          <a:p>
-            <a:endParaRPr lang="ru-KZ" dirty="0"/>
+            <a:endParaRPr lang="ru-KZ" sz="4000" dirty="0">
+              <a:ln w="22225">
+                <a:solidFill>
+                  <a:schemeClr val="tx1"/>
+                </a:solidFill>
+                <a:miter lim="800000"/>
+              </a:ln>
+              <a:noFill/>
+            </a:endParaRPr>
           </a:p>
         </p:txBody>
       </p:sp>
@@ -3430,14 +3483,114 @@
     </p:extLst>
   </p:cSld>
   <p:clrMapOvr>
-    <a:masterClrMapping/>
+    <a:overrideClrMapping bg1="dk1" tx1="lt1" bg2="dk2" tx2="lt2" accent1="accent1" accent2="accent2" accent3="accent3" accent4="accent4" accent5="accent5" accent6="accent6" hlink="hlink" folHlink="folHlink"/>
   </p:clrMapOvr>
+  <p:timing>
+    <p:tnLst>
+      <p:par>
+        <p:cTn id="1" dur="indefinite" restart="never" nodeType="tmRoot">
+          <p:childTnLst>
+            <p:seq concurrent="1" nextAc="seek">
+              <p:cTn id="2" dur="indefinite" nodeType="mainSeq">
+                <p:childTnLst>
+                  <p:par>
+                    <p:cTn id="3" fill="hold">
+                      <p:stCondLst>
+                        <p:cond delay="indefinite"/>
+                        <p:cond evt="onBegin" delay="0">
+                          <p:tn val="2"/>
+                        </p:cond>
+                      </p:stCondLst>
+                      <p:childTnLst>
+                        <p:par>
+                          <p:cTn id="4" fill="hold">
+                            <p:stCondLst>
+                              <p:cond delay="0"/>
+                            </p:stCondLst>
+                            <p:childTnLst>
+                              <p:par>
+                                <p:cTn id="5" presetID="10" presetClass="entr" presetSubtype="0" fill="hold" grpId="0" nodeType="withEffect">
+                                  <p:stCondLst>
+                                    <p:cond delay="1000"/>
+                                  </p:stCondLst>
+                                  <p:iterate type="lt">
+                                    <p:tmPct val="10000"/>
+                                  </p:iterate>
+                                  <p:childTnLst>
+                                    <p:set>
+                                      <p:cBhvr>
+                                        <p:cTn id="6" dur="1" fill="hold">
+                                          <p:stCondLst>
+                                            <p:cond delay="0"/>
+                                          </p:stCondLst>
+                                        </p:cTn>
+                                        <p:tgtEl>
+                                          <p:spTgt spid="2"/>
+                                        </p:tgtEl>
+                                        <p:attrNameLst>
+                                          <p:attrName>style.visibility</p:attrName>
+                                        </p:attrNameLst>
+                                      </p:cBhvr>
+                                      <p:to>
+                                        <p:strVal val="visible"/>
+                                      </p:to>
+                                    </p:set>
+                                    <p:animEffect transition="in" filter="fade">
+                                      <p:cBhvr>
+                                        <p:cTn id="7" dur="400"/>
+                                        <p:tgtEl>
+                                          <p:spTgt spid="2"/>
+                                        </p:tgtEl>
+                                      </p:cBhvr>
+                                    </p:animEffect>
+                                  </p:childTnLst>
+                                </p:cTn>
+                              </p:par>
+                            </p:childTnLst>
+                          </p:cTn>
+                        </p:par>
+                      </p:childTnLst>
+                    </p:cTn>
+                  </p:par>
+                </p:childTnLst>
+              </p:cTn>
+              <p:prevCondLst>
+                <p:cond evt="onPrev" delay="0">
+                  <p:tgtEl>
+                    <p:sldTgt/>
+                  </p:tgtEl>
+                </p:cond>
+              </p:prevCondLst>
+              <p:nextCondLst>
+                <p:cond evt="onNext" delay="0">
+                  <p:tgtEl>
+                    <p:sldTgt/>
+                  </p:tgtEl>
+                </p:cond>
+              </p:nextCondLst>
+            </p:seq>
+          </p:childTnLst>
+        </p:cTn>
+      </p:par>
+    </p:tnLst>
+    <p:bldLst>
+      <p:bldP spid="2" grpId="0"/>
+    </p:bldLst>
+  </p:timing>
 </p:sld>
 </file>
 
 <file path=ppt/slides/slide2.xml><?xml version="1.0" encoding="utf-8"?>
 <p:sld xmlns:a="http://schemas.openxmlformats.org/drawingml/2006/main" xmlns:r="http://schemas.openxmlformats.org/officeDocument/2006/relationships" xmlns:p="http://schemas.openxmlformats.org/presentationml/2006/main">
   <p:cSld>
+    <p:bg>
+      <p:bgPr>
+        <a:solidFill>
+          <a:schemeClr val="bg1"/>
+        </a:solidFill>
+        <a:effectLst/>
+      </p:bgPr>
+    </p:bg>
     <p:spTree>
       <p:nvGrpSpPr>
         <p:cNvPr id="1" name=""/>
@@ -3454,66 +3607,180 @@
       </p:grpSpPr>
       <p:sp>
         <p:nvSpPr>
-          <p:cNvPr id="3" name="Объект 2">
-            <a:extLst>
-              <a:ext uri="{FF2B5EF4-FFF2-40B4-BE49-F238E27FC236}">
-                <a16:creationId xmlns:a16="http://schemas.microsoft.com/office/drawing/2014/main" id="{A3C443B3-09DC-4B0B-0078-E786BC634E69}"/>
-              </a:ext>
-            </a:extLst>
-          </p:cNvPr>
-          <p:cNvSpPr>
-            <a:spLocks noGrp="1"/>
-          </p:cNvSpPr>
-          <p:nvPr>
-            <p:ph idx="1"/>
+          <p:cNvPr id="2057" name="Rectangle 2056">
+            <a:extLst>
+              <a:ext uri="{FF2B5EF4-FFF2-40B4-BE49-F238E27FC236}">
+                <a16:creationId xmlns:a16="http://schemas.microsoft.com/office/drawing/2014/main" id="{9228552E-C8B1-4A80-8448-0787CE0FC704}"/>
+              </a:ext>
+              <a:ext uri="{C183D7F6-B498-43B3-948B-1728B52AA6E4}">
+                <adec:decorative xmlns:adec="http://schemas.microsoft.com/office/drawing/2017/decorative" val="1"/>
+              </a:ext>
+            </a:extLst>
+          </p:cNvPr>
+          <p:cNvSpPr>
+            <a:spLocks noGrp="1" noRot="1" noChangeAspect="1" noMove="1" noResize="1" noEditPoints="1" noAdjustHandles="1" noChangeArrowheads="1" noChangeShapeType="1" noTextEdit="1"/>
+          </p:cNvSpPr>
+          <p:nvPr>
+            <p:extLst>
+              <p:ext uri="{386F3935-93C4-4BCD-93E2-E3B085C9AB24}">
+                <p16:designElem xmlns:p16="http://schemas.microsoft.com/office/powerpoint/2015/main" val="1"/>
+              </p:ext>
+            </p:extLst>
           </p:nvPr>
         </p:nvSpPr>
         <p:spPr>
           <a:xfrm>
-            <a:off x="838200" y="1633601"/>
+            <a:off x="0" y="0"/>
+            <a:ext cx="12192000" cy="6858000"/>
+          </a:xfrm>
+          <a:prstGeom prst="rect">
+            <a:avLst/>
+          </a:prstGeom>
+          <a:solidFill>
+            <a:srgbClr val="000000"/>
+          </a:solidFill>
+          <a:ln>
+            <a:noFill/>
+          </a:ln>
+        </p:spPr>
+        <p:style>
+          <a:lnRef idx="2">
+            <a:schemeClr val="accent1">
+              <a:shade val="50000"/>
+            </a:schemeClr>
+          </a:lnRef>
+          <a:fillRef idx="1">
+            <a:schemeClr val="accent1"/>
+          </a:fillRef>
+          <a:effectRef idx="0">
+            <a:schemeClr val="accent1"/>
+          </a:effectRef>
+          <a:fontRef idx="minor">
+            <a:schemeClr val="lt1"/>
+          </a:fontRef>
+        </p:style>
+        <p:txBody>
+          <a:bodyPr rtlCol="0" anchor="ctr"/>
+          <a:lstStyle/>
+          <a:p>
+            <a:pPr algn="ctr"/>
+            <a:endParaRPr lang="en-US"/>
+          </a:p>
+        </p:txBody>
+      </p:sp>
+      <p:pic>
+        <p:nvPicPr>
+          <p:cNvPr id="2052" name="Picture 4" descr="Изображение выглядит как Пурпурный цвет, Фиолетовый, розовый, Танец&#10;&#10;Контент, сгенерированный ИИ, может содержать ошибки.">
+            <a:extLst>
+              <a:ext uri="{FF2B5EF4-FFF2-40B4-BE49-F238E27FC236}">
+                <a16:creationId xmlns:a16="http://schemas.microsoft.com/office/drawing/2014/main" id="{D55521E7-8F5C-FC7B-1911-735B586BC130}"/>
+              </a:ext>
+            </a:extLst>
+          </p:cNvPr>
+          <p:cNvPicPr>
+            <a:picLocks noChangeAspect="1" noChangeArrowheads="1"/>
+          </p:cNvPicPr>
+          <p:nvPr/>
+        </p:nvPicPr>
+        <p:blipFill>
+          <a:blip r:embed="rId2">
+            <a:alphaModFix amt="35000"/>
+            <a:extLst>
+              <a:ext uri="{28A0092B-C50C-407E-A947-70E740481C1C}">
+                <a14:useLocalDpi xmlns:a14="http://schemas.microsoft.com/office/drawing/2010/main" val="0"/>
+              </a:ext>
+            </a:extLst>
+          </a:blip>
+          <a:srcRect t="9448" b="6283"/>
+          <a:stretch/>
+        </p:blipFill>
+        <p:spPr bwMode="auto">
+          <a:xfrm>
+            <a:off x="20" y="10"/>
+            <a:ext cx="12191980" cy="6857990"/>
+          </a:xfrm>
+          <a:prstGeom prst="rect">
+            <a:avLst/>
+          </a:prstGeom>
+          <a:noFill/>
+          <a:extLst>
+            <a:ext uri="{909E8E84-426E-40DD-AFC4-6F175D3DCCD1}">
+              <a14:hiddenFill xmlns:a14="http://schemas.microsoft.com/office/drawing/2010/main">
+                <a:solidFill>
+                  <a:srgbClr val="FFFFFF"/>
+                </a:solidFill>
+              </a14:hiddenFill>
+            </a:ext>
+          </a:extLst>
+        </p:spPr>
+      </p:pic>
+      <p:sp>
+        <p:nvSpPr>
+          <p:cNvPr id="3" name="Объект 2">
+            <a:extLst>
+              <a:ext uri="{FF2B5EF4-FFF2-40B4-BE49-F238E27FC236}">
+                <a16:creationId xmlns:a16="http://schemas.microsoft.com/office/drawing/2014/main" id="{A3C443B3-09DC-4B0B-0078-E786BC634E69}"/>
+              </a:ext>
+            </a:extLst>
+          </p:cNvPr>
+          <p:cNvSpPr>
+            <a:spLocks noGrp="1"/>
+          </p:cNvSpPr>
+          <p:nvPr>
+            <p:ph idx="1"/>
+          </p:nvPr>
+        </p:nvSpPr>
+        <p:spPr>
+          <a:xfrm>
+            <a:off x="838200" y="1825625"/>
             <a:ext cx="10515600" cy="4351338"/>
           </a:xfrm>
         </p:spPr>
         <p:txBody>
-          <a:bodyPr/>
-          <a:lstStyle/>
-          <a:p>
-            <a:pPr algn="just">
-              <a:lnSpc>
-                <a:spcPts val="2175"/>
-              </a:lnSpc>
+          <a:bodyPr>
+            <a:normAutofit/>
+          </a:bodyPr>
+          <a:lstStyle/>
+          <a:p>
+            <a:pPr>
               <a:spcAft>
                 <a:spcPts val="2250"/>
               </a:spcAft>
               <a:buNone/>
             </a:pPr>
             <a:r>
-              <a:rPr lang="en-US" dirty="0">
+              <a:rPr lang="en-US">
+                <a:solidFill>
+                  <a:srgbClr val="FFFFFF"/>
+                </a:solidFill>
                 <a:latin typeface="Abadi" panose="020B0604020104020204" pitchFamily="34" charset="0"/>
               </a:rPr>
               <a:t>Why invest in make-up or trendy clothes and eyewear when  Snapchat and Instagram provide filters that can make you look as wild, exotic, or beautiful as you wish, that too in a matter of seconds. </a:t>
             </a:r>
           </a:p>
           <a:p>
-            <a:pPr marL="0" indent="0" algn="just">
-              <a:lnSpc>
-                <a:spcPts val="2175"/>
-              </a:lnSpc>
+            <a:pPr marL="0" indent="0">
               <a:spcAft>
                 <a:spcPts val="2250"/>
               </a:spcAft>
               <a:buNone/>
             </a:pPr>
             <a:r>
-              <a:rPr lang="en-US" dirty="0">
+              <a:rPr lang="en-US">
+                <a:solidFill>
+                  <a:srgbClr val="FFFFFF"/>
+                </a:solidFill>
                 <a:latin typeface="Abadi" panose="020B0604020104020204" pitchFamily="34" charset="0"/>
               </a:rPr>
               <a:t>Maybe you would want just to goof around and turn into a witch or Santa, or perhaps your favorite fictional character just by adding a filter onto your face. There are hundreds of such filters, all powered by Augmented Reality (AR). </a:t>
             </a:r>
           </a:p>
           <a:p>
-            <a:pPr algn="just"/>
-            <a:endParaRPr lang="ru-KZ" dirty="0"/>
+            <a:endParaRPr lang="ru-KZ">
+              <a:solidFill>
+                <a:srgbClr val="FFFFFF"/>
+              </a:solidFill>
+            </a:endParaRPr>
           </a:p>
         </p:txBody>
       </p:sp>
@@ -3525,7 +3792,7 @@
     </p:extLst>
   </p:cSld>
   <p:clrMapOvr>
-    <a:masterClrMapping/>
+    <a:overrideClrMapping bg1="dk1" tx1="lt1" bg2="dk2" tx2="lt2" accent1="accent1" accent2="accent2" accent3="accent3" accent4="accent4" accent5="accent5" accent6="accent6" hlink="hlink" folHlink="folHlink"/>
   </p:clrMapOvr>
 </p:sld>
 </file>
@@ -3842,6 +4109,14 @@
 <file path=ppt/slides/slide4.xml><?xml version="1.0" encoding="utf-8"?>
 <p:sld xmlns:a="http://schemas.openxmlformats.org/drawingml/2006/main" xmlns:r="http://schemas.openxmlformats.org/officeDocument/2006/relationships" xmlns:p="http://schemas.openxmlformats.org/presentationml/2006/main">
   <p:cSld>
+    <p:bg>
+      <p:bgPr>
+        <a:solidFill>
+          <a:schemeClr val="bg1"/>
+        </a:solidFill>
+        <a:effectLst/>
+      </p:bgPr>
+    </p:bg>
     <p:spTree>
       <p:nvGrpSpPr>
         <p:cNvPr id="1" name=""/>
@@ -3858,6 +4133,115 @@
       </p:grpSpPr>
       <p:sp>
         <p:nvSpPr>
+          <p:cNvPr id="3079" name="Rectangle 3078">
+            <a:extLst>
+              <a:ext uri="{FF2B5EF4-FFF2-40B4-BE49-F238E27FC236}">
+                <a16:creationId xmlns:a16="http://schemas.microsoft.com/office/drawing/2014/main" id="{C5E6CFF1-2F42-4E10-9A97-F116F46F53FE}"/>
+              </a:ext>
+              <a:ext uri="{C183D7F6-B498-43B3-948B-1728B52AA6E4}">
+                <adec:decorative xmlns:adec="http://schemas.microsoft.com/office/drawing/2017/decorative" val="1"/>
+              </a:ext>
+            </a:extLst>
+          </p:cNvPr>
+          <p:cNvSpPr>
+            <a:spLocks noGrp="1" noRot="1" noChangeAspect="1" noMove="1" noResize="1" noEditPoints="1" noAdjustHandles="1" noChangeArrowheads="1" noChangeShapeType="1" noTextEdit="1"/>
+          </p:cNvSpPr>
+          <p:nvPr>
+            <p:extLst>
+              <p:ext uri="{386F3935-93C4-4BCD-93E2-E3B085C9AB24}">
+                <p16:designElem xmlns:p16="http://schemas.microsoft.com/office/powerpoint/2015/main" val="1"/>
+              </p:ext>
+            </p:extLst>
+          </p:nvPr>
+        </p:nvSpPr>
+        <p:spPr>
+          <a:xfrm>
+            <a:off x="0" y="0"/>
+            <a:ext cx="12192000" cy="6858000"/>
+          </a:xfrm>
+          <a:prstGeom prst="rect">
+            <a:avLst/>
+          </a:prstGeom>
+          <a:solidFill>
+            <a:srgbClr val="000000"/>
+          </a:solidFill>
+          <a:ln>
+            <a:noFill/>
+          </a:ln>
+        </p:spPr>
+        <p:style>
+          <a:lnRef idx="2">
+            <a:schemeClr val="accent1">
+              <a:shade val="50000"/>
+            </a:schemeClr>
+          </a:lnRef>
+          <a:fillRef idx="1">
+            <a:schemeClr val="accent1"/>
+          </a:fillRef>
+          <a:effectRef idx="0">
+            <a:schemeClr val="accent1"/>
+          </a:effectRef>
+          <a:fontRef idx="minor">
+            <a:schemeClr val="lt1"/>
+          </a:fontRef>
+        </p:style>
+        <p:txBody>
+          <a:bodyPr rtlCol="0" anchor="ctr"/>
+          <a:lstStyle/>
+          <a:p>
+            <a:pPr algn="ctr"/>
+            <a:endParaRPr lang="en-US"/>
+          </a:p>
+        </p:txBody>
+      </p:sp>
+      <p:pic>
+        <p:nvPicPr>
+          <p:cNvPr id="3074" name="Picture 2" descr="Изображение выглядит как Человеческое лицо, человек, одежда, снимок экрана&#10;&#10;Контент, сгенерированный ИИ, может содержать ошибки.">
+            <a:extLst>
+              <a:ext uri="{FF2B5EF4-FFF2-40B4-BE49-F238E27FC236}">
+                <a16:creationId xmlns:a16="http://schemas.microsoft.com/office/drawing/2014/main" id="{1B2F3946-49F1-26C1-690D-631DF4C209B6}"/>
+              </a:ext>
+            </a:extLst>
+          </p:cNvPr>
+          <p:cNvPicPr>
+            <a:picLocks noChangeAspect="1" noChangeArrowheads="1"/>
+          </p:cNvPicPr>
+          <p:nvPr/>
+        </p:nvPicPr>
+        <p:blipFill>
+          <a:blip r:embed="rId2">
+            <a:alphaModFix amt="35000"/>
+            <a:extLst>
+              <a:ext uri="{28A0092B-C50C-407E-A947-70E740481C1C}">
+                <a14:useLocalDpi xmlns:a14="http://schemas.microsoft.com/office/drawing/2010/main" val="0"/>
+              </a:ext>
+            </a:extLst>
+          </a:blip>
+          <a:srcRect/>
+          <a:stretch/>
+        </p:blipFill>
+        <p:spPr bwMode="auto">
+          <a:xfrm>
+            <a:off x="20" y="1"/>
+            <a:ext cx="12191980" cy="6857999"/>
+          </a:xfrm>
+          <a:prstGeom prst="rect">
+            <a:avLst/>
+          </a:prstGeom>
+          <a:noFill/>
+          <a:extLst>
+            <a:ext uri="{909E8E84-426E-40DD-AFC4-6F175D3DCCD1}">
+              <a14:hiddenFill xmlns:a14="http://schemas.microsoft.com/office/drawing/2010/main">
+                <a:solidFill>
+                  <a:srgbClr val="FFFFFF"/>
+                </a:solidFill>
+              </a14:hiddenFill>
+            </a:ext>
+          </a:extLst>
+        </p:spPr>
+      </p:pic>
+      <p:sp>
+        <p:nvSpPr>
           <p:cNvPr id="2" name="Заголовок 1">
             <a:extLst>
               <a:ext uri="{FF2B5EF4-FFF2-40B4-BE49-F238E27FC236}">
@@ -3872,25 +4256,95 @@
             <p:ph type="title"/>
           </p:nvPr>
         </p:nvSpPr>
-        <p:spPr/>
-        <p:txBody>
-          <a:bodyPr/>
-          <a:lstStyle/>
-          <a:p>
-            <a:r>
-              <a:rPr lang="en-US" b="0" i="0" dirty="0">
-                <a:solidFill>
-                  <a:srgbClr val="1E1E1E"/>
-                </a:solidFill>
+        <p:spPr>
+          <a:xfrm>
+            <a:off x="838199" y="1065862"/>
+            <a:ext cx="6052955" cy="4726276"/>
+          </a:xfrm>
+        </p:spPr>
+        <p:txBody>
+          <a:bodyPr>
+            <a:normAutofit/>
+          </a:bodyPr>
+          <a:lstStyle/>
+          <a:p>
+            <a:pPr algn="just"/>
+            <a:r>
+              <a:rPr lang="en-US" sz="4000" b="0" i="0" dirty="0">
+                <a:ln w="22225">
+                  <a:solidFill>
+                    <a:srgbClr val="FFFFFF"/>
+                  </a:solidFill>
+                </a:ln>
+                <a:noFill/>
                 <a:effectLst/>
                 <a:latin typeface="Abadi" panose="020B0604020104020204" pitchFamily="34" charset="0"/>
               </a:rPr>
               <a:t>Augmented Reality has a lot of applications in different domains, such as</a:t>
             </a:r>
-            <a:endParaRPr lang="ru-KZ" dirty="0"/>
-          </a:p>
-        </p:txBody>
-      </p:sp>
+            <a:endParaRPr lang="ru-KZ" sz="4000" dirty="0">
+              <a:ln w="22225">
+                <a:solidFill>
+                  <a:srgbClr val="FFFFFF"/>
+                </a:solidFill>
+              </a:ln>
+              <a:noFill/>
+            </a:endParaRPr>
+          </a:p>
+        </p:txBody>
+      </p:sp>
+      <p:cxnSp>
+        <p:nvCxnSpPr>
+          <p:cNvPr id="3081" name="Straight Connector 3080">
+            <a:extLst>
+              <a:ext uri="{FF2B5EF4-FFF2-40B4-BE49-F238E27FC236}">
+                <a16:creationId xmlns:a16="http://schemas.microsoft.com/office/drawing/2014/main" id="{96A8629B-8289-498B-939B-1CA0C106182C}"/>
+              </a:ext>
+              <a:ext uri="{C183D7F6-B498-43B3-948B-1728B52AA6E4}">
+                <adec:decorative xmlns:adec="http://schemas.microsoft.com/office/drawing/2017/decorative" val="1"/>
+              </a:ext>
+            </a:extLst>
+          </p:cNvPr>
+          <p:cNvCxnSpPr>
+            <a:cxnSpLocks noGrp="1" noRot="1" noChangeAspect="1" noMove="1" noResize="1" noEditPoints="1" noAdjustHandles="1" noChangeArrowheads="1" noChangeShapeType="1"/>
+          </p:cNvCxnSpPr>
+          <p:nvPr>
+            <p:extLst>
+              <p:ext uri="{386F3935-93C4-4BCD-93E2-E3B085C9AB24}">
+                <p16:designElem xmlns:p16="http://schemas.microsoft.com/office/powerpoint/2015/main" val="1"/>
+              </p:ext>
+            </p:extLst>
+          </p:nvPr>
+        </p:nvCxnSpPr>
+        <p:spPr>
+          <a:xfrm>
+            <a:off x="7212899" y="2286000"/>
+            <a:ext cx="0" cy="2286000"/>
+          </a:xfrm>
+          <a:prstGeom prst="line">
+            <a:avLst/>
+          </a:prstGeom>
+          <a:ln w="15875">
+            <a:solidFill>
+              <a:srgbClr val="FFFFFF"/>
+            </a:solidFill>
+          </a:ln>
+        </p:spPr>
+        <p:style>
+          <a:lnRef idx="1">
+            <a:schemeClr val="accent1"/>
+          </a:lnRef>
+          <a:fillRef idx="0">
+            <a:schemeClr val="accent1"/>
+          </a:fillRef>
+          <a:effectRef idx="0">
+            <a:schemeClr val="accent1"/>
+          </a:effectRef>
+          <a:fontRef idx="minor">
+            <a:schemeClr val="tx1"/>
+          </a:fontRef>
+        </p:style>
+      </p:cxnSp>
       <p:sp>
         <p:nvSpPr>
           <p:cNvPr id="3" name="Объект 2">
@@ -3907,14 +4361,19 @@
             <p:ph idx="1"/>
           </p:nvPr>
         </p:nvSpPr>
-        <p:spPr/>
-        <p:txBody>
-          <a:bodyPr>
-            <a:normAutofit lnSpcReduction="10000"/>
+        <p:spPr>
+          <a:xfrm>
+            <a:off x="7534641" y="1065862"/>
+            <a:ext cx="3860002" cy="4726276"/>
+          </a:xfrm>
+        </p:spPr>
+        <p:txBody>
+          <a:bodyPr anchor="ctr">
+            <a:normAutofit/>
           </a:bodyPr>
           <a:lstStyle/>
           <a:p>
-            <a:pPr algn="l">
+            <a:pPr>
               <a:spcAft>
                 <a:spcPts val="2100"/>
               </a:spcAft>
@@ -3922,38 +4381,18 @@
               <a:buChar char="•"/>
             </a:pPr>
             <a:r>
-              <a:rPr lang="en-US" b="0" i="0" dirty="0">
+              <a:rPr lang="en-US" sz="1600" b="0" i="0">
                 <a:solidFill>
-                  <a:srgbClr val="333333"/>
+                  <a:srgbClr val="FFFFFF"/>
                 </a:solidFill>
                 <a:effectLst/>
                 <a:latin typeface="Abadi" panose="020B0604020104020204" pitchFamily="34" charset="0"/>
               </a:rPr>
-              <a:t>Gaming: We have all heard about </a:t>
-            </a:r>
-            <a:r>
-              <a:rPr lang="en-US" b="0" i="0" dirty="0" err="1">
-                <a:solidFill>
-                  <a:srgbClr val="333333"/>
-                </a:solidFill>
-                <a:effectLst/>
-                <a:latin typeface="Abadi" panose="020B0604020104020204" pitchFamily="34" charset="0"/>
-              </a:rPr>
-              <a:t>PokemonGo</a:t>
-            </a:r>
-            <a:r>
-              <a:rPr lang="en-US" b="0" i="0" dirty="0">
-                <a:solidFill>
-                  <a:srgbClr val="333333"/>
-                </a:solidFill>
-                <a:effectLst/>
-                <a:latin typeface="Abadi" panose="020B0604020104020204" pitchFamily="34" charset="0"/>
-              </a:rPr>
-              <a:t>. This game allows you to catch and collect virtual cartoon characters.</a:t>
-            </a:r>
-          </a:p>
-          <a:p>
-            <a:pPr algn="l">
+              <a:t>Gaming: We have all heard about PokemonGo. This game allows you to catch and collect virtual cartoon characters.</a:t>
+            </a:r>
+          </a:p>
+          <a:p>
+            <a:pPr>
               <a:spcAft>
                 <a:spcPts val="2100"/>
               </a:spcAft>
@@ -3961,9 +4400,9 @@
               <a:buChar char="•"/>
             </a:pPr>
             <a:r>
-              <a:rPr lang="en-US" b="0" i="0" dirty="0">
+              <a:rPr lang="en-US" sz="1600" b="0" i="0">
                 <a:solidFill>
-                  <a:srgbClr val="333333"/>
+                  <a:srgbClr val="FFFFFF"/>
                 </a:solidFill>
                 <a:effectLst/>
                 <a:latin typeface="Abadi" panose="020B0604020104020204" pitchFamily="34" charset="0"/>
@@ -3972,7 +4411,7 @@
             </a:r>
           </a:p>
           <a:p>
-            <a:pPr algn="l">
+            <a:pPr>
               <a:spcAft>
                 <a:spcPts val="2100"/>
               </a:spcAft>
@@ -3980,9 +4419,9 @@
               <a:buChar char="•"/>
             </a:pPr>
             <a:r>
-              <a:rPr lang="en-US" b="0" i="0" dirty="0">
+              <a:rPr lang="en-US" sz="1600" b="0" i="0">
                 <a:solidFill>
-                  <a:srgbClr val="333333"/>
+                  <a:srgbClr val="FFFFFF"/>
                 </a:solidFill>
                 <a:effectLst/>
                 <a:latin typeface="Abadi" panose="020B0604020104020204" pitchFamily="34" charset="0"/>
@@ -3991,7 +4430,7 @@
             </a:r>
           </a:p>
           <a:p>
-            <a:pPr algn="l">
+            <a:pPr>
               <a:spcAft>
                 <a:spcPts val="2100"/>
               </a:spcAft>
@@ -3999,9 +4438,9 @@
               <a:buChar char="•"/>
             </a:pPr>
             <a:r>
-              <a:rPr lang="en-US" b="0" i="0" dirty="0">
+              <a:rPr lang="en-US" sz="1600" b="0" i="0">
                 <a:solidFill>
-                  <a:srgbClr val="333333"/>
+                  <a:srgbClr val="FFFFFF"/>
                 </a:solidFill>
                 <a:effectLst/>
                 <a:latin typeface="Abadi" panose="020B0604020104020204" pitchFamily="34" charset="0"/>
@@ -4010,7 +4449,11 @@
             </a:r>
           </a:p>
           <a:p>
-            <a:endParaRPr lang="ru-KZ" dirty="0"/>
+            <a:endParaRPr lang="ru-KZ" sz="1600">
+              <a:solidFill>
+                <a:srgbClr val="FFFFFF"/>
+              </a:solidFill>
+            </a:endParaRPr>
           </a:p>
         </p:txBody>
       </p:sp>
@@ -4022,7 +4465,7 @@
     </p:extLst>
   </p:cSld>
   <p:clrMapOvr>
-    <a:masterClrMapping/>
+    <a:overrideClrMapping bg1="dk1" tx1="lt1" bg2="dk2" tx2="lt2" accent1="accent1" accent2="accent2" accent3="accent3" accent4="accent4" accent5="accent5" accent6="accent6" hlink="hlink" folHlink="folHlink"/>
   </p:clrMapOvr>
 </p:sld>
 </file>
@@ -4030,6 +4473,14 @@
 <file path=ppt/slides/slide5.xml><?xml version="1.0" encoding="utf-8"?>
 <p:sld xmlns:a="http://schemas.openxmlformats.org/drawingml/2006/main" xmlns:r="http://schemas.openxmlformats.org/officeDocument/2006/relationships" xmlns:p="http://schemas.openxmlformats.org/presentationml/2006/main">
   <p:cSld>
+    <p:bg>
+      <p:bgPr>
+        <a:solidFill>
+          <a:schemeClr val="bg1"/>
+        </a:solidFill>
+        <a:effectLst/>
+      </p:bgPr>
+    </p:bg>
     <p:spTree>
       <p:nvGrpSpPr>
         <p:cNvPr id="1" name=""/>
@@ -4044,88 +4495,233 @@
           <a:chExt cx="0" cy="0"/>
         </a:xfrm>
       </p:grpSpPr>
-      <p:sp>
-        <p:nvSpPr>
-          <p:cNvPr id="2" name="Заголовок 1">
-            <a:extLst>
-              <a:ext uri="{FF2B5EF4-FFF2-40B4-BE49-F238E27FC236}">
-                <a16:creationId xmlns:a16="http://schemas.microsoft.com/office/drawing/2014/main" id="{DCB0AF9E-5D96-1A82-82BE-4FF1AEFBA624}"/>
-              </a:ext>
-            </a:extLst>
-          </p:cNvPr>
-          <p:cNvSpPr>
-            <a:spLocks noGrp="1"/>
-          </p:cNvSpPr>
-          <p:nvPr>
-            <p:ph type="title"/>
-          </p:nvPr>
-        </p:nvSpPr>
-        <p:spPr/>
-        <p:txBody>
-          <a:bodyPr/>
-          <a:lstStyle/>
-          <a:p>
-            <a:endParaRPr lang="ru-KZ"/>
-          </a:p>
-        </p:txBody>
-      </p:sp>
-      <p:sp>
-        <p:nvSpPr>
-          <p:cNvPr id="3" name="Объект 2">
-            <a:extLst>
-              <a:ext uri="{FF2B5EF4-FFF2-40B4-BE49-F238E27FC236}">
-                <a16:creationId xmlns:a16="http://schemas.microsoft.com/office/drawing/2014/main" id="{7B57D399-9705-14DB-D5A7-C5F9C7B8E7F6}"/>
-              </a:ext>
-            </a:extLst>
-          </p:cNvPr>
-          <p:cNvSpPr>
-            <a:spLocks noGrp="1"/>
-          </p:cNvSpPr>
-          <p:nvPr>
-            <p:ph idx="1"/>
+      <p:sp useBgFill="1">
+        <p:nvSpPr>
+          <p:cNvPr id="4103" name="Rectangle 4102">
+            <a:extLst>
+              <a:ext uri="{FF2B5EF4-FFF2-40B4-BE49-F238E27FC236}">
+                <a16:creationId xmlns:a16="http://schemas.microsoft.com/office/drawing/2014/main" id="{04812C46-200A-4DEB-A05E-3ED6C68C2387}"/>
+              </a:ext>
+              <a:ext uri="{C183D7F6-B498-43B3-948B-1728B52AA6E4}">
+                <adec:decorative xmlns:adec="http://schemas.microsoft.com/office/drawing/2017/decorative" val="1"/>
+              </a:ext>
+            </a:extLst>
+          </p:cNvPr>
+          <p:cNvSpPr>
+            <a:spLocks noGrp="1" noRot="1" noChangeAspect="1" noMove="1" noResize="1" noEditPoints="1" noAdjustHandles="1" noChangeArrowheads="1" noChangeShapeType="1" noTextEdit="1"/>
+          </p:cNvSpPr>
+          <p:nvPr>
+            <p:extLst>
+              <p:ext uri="{386F3935-93C4-4BCD-93E2-E3B085C9AB24}">
+                <p16:designElem xmlns:p16="http://schemas.microsoft.com/office/powerpoint/2015/main" val="1"/>
+              </p:ext>
+            </p:extLst>
           </p:nvPr>
         </p:nvSpPr>
         <p:spPr>
           <a:xfrm>
-            <a:off x="838200" y="1793430"/>
-            <a:ext cx="10515600" cy="4351338"/>
+            <a:off x="3049" y="0"/>
+            <a:ext cx="12188952" cy="6858000"/>
+          </a:xfrm>
+          <a:prstGeom prst="rect">
+            <a:avLst/>
+          </a:prstGeom>
+          <a:ln>
+            <a:noFill/>
+          </a:ln>
+        </p:spPr>
+        <p:style>
+          <a:lnRef idx="2">
+            <a:schemeClr val="accent1">
+              <a:shade val="50000"/>
+            </a:schemeClr>
+          </a:lnRef>
+          <a:fillRef idx="1">
+            <a:schemeClr val="accent1"/>
+          </a:fillRef>
+          <a:effectRef idx="0">
+            <a:schemeClr val="accent1"/>
+          </a:effectRef>
+          <a:fontRef idx="minor">
+            <a:schemeClr val="lt1"/>
+          </a:fontRef>
+        </p:style>
+        <p:txBody>
+          <a:bodyPr rtlCol="0" anchor="ctr"/>
+          <a:lstStyle/>
+          <a:p>
+            <a:pPr algn="ctr"/>
+            <a:endParaRPr lang="en-US"/>
+          </a:p>
+        </p:txBody>
+      </p:sp>
+      <p:pic>
+        <p:nvPicPr>
+          <p:cNvPr id="4098" name="Picture 2">
+            <a:extLst>
+              <a:ext uri="{FF2B5EF4-FFF2-40B4-BE49-F238E27FC236}">
+                <a16:creationId xmlns:a16="http://schemas.microsoft.com/office/drawing/2014/main" id="{8C6DB0DD-69E5-39EC-093C-BA24374385E2}"/>
+              </a:ext>
+            </a:extLst>
+          </p:cNvPr>
+          <p:cNvPicPr>
+            <a:picLocks noChangeAspect="1" noChangeArrowheads="1"/>
+          </p:cNvPicPr>
+          <p:nvPr/>
+        </p:nvPicPr>
+        <p:blipFill>
+          <a:blip r:embed="rId2">
+            <a:extLst>
+              <a:ext uri="{28A0092B-C50C-407E-A947-70E740481C1C}">
+                <a14:useLocalDpi xmlns:a14="http://schemas.microsoft.com/office/drawing/2010/main" val="0"/>
+              </a:ext>
+            </a:extLst>
+          </a:blip>
+          <a:srcRect l="529" r="30029"/>
+          <a:stretch/>
+        </p:blipFill>
+        <p:spPr bwMode="auto">
+          <a:xfrm>
+            <a:off x="2522356" y="10"/>
+            <a:ext cx="9669642" cy="6857990"/>
+          </a:xfrm>
+          <a:prstGeom prst="rect">
+            <a:avLst/>
+          </a:prstGeom>
+          <a:noFill/>
+          <a:extLst>
+            <a:ext uri="{909E8E84-426E-40DD-AFC4-6F175D3DCCD1}">
+              <a14:hiddenFill xmlns:a14="http://schemas.microsoft.com/office/drawing/2010/main">
+                <a:solidFill>
+                  <a:srgbClr val="FFFFFF"/>
+                </a:solidFill>
+              </a14:hiddenFill>
+            </a:ext>
+          </a:extLst>
+        </p:spPr>
+      </p:pic>
+      <p:sp>
+        <p:nvSpPr>
+          <p:cNvPr id="4105" name="Rectangle 4104">
+            <a:extLst>
+              <a:ext uri="{FF2B5EF4-FFF2-40B4-BE49-F238E27FC236}">
+                <a16:creationId xmlns:a16="http://schemas.microsoft.com/office/drawing/2014/main" id="{D1EA859B-E555-4109-94F3-6700E046E008}"/>
+              </a:ext>
+              <a:ext uri="{C183D7F6-B498-43B3-948B-1728B52AA6E4}">
+                <adec:decorative xmlns:adec="http://schemas.microsoft.com/office/drawing/2017/decorative" val="1"/>
+              </a:ext>
+            </a:extLst>
+          </p:cNvPr>
+          <p:cNvSpPr>
+            <a:spLocks noGrp="1" noRot="1" noChangeAspect="1" noMove="1" noResize="1" noEditPoints="1" noAdjustHandles="1" noChangeArrowheads="1" noChangeShapeType="1" noTextEdit="1"/>
+          </p:cNvSpPr>
+          <p:nvPr>
+            <p:extLst>
+              <p:ext uri="{386F3935-93C4-4BCD-93E2-E3B085C9AB24}">
+                <p16:designElem xmlns:p16="http://schemas.microsoft.com/office/powerpoint/2015/main" val="1"/>
+              </p:ext>
+            </p:extLst>
+          </p:nvPr>
+        </p:nvSpPr>
+        <p:spPr>
+          <a:xfrm>
+            <a:off x="-1" y="0"/>
+            <a:ext cx="7390263" cy="6858000"/>
+          </a:xfrm>
+          <a:prstGeom prst="rect">
+            <a:avLst/>
+          </a:prstGeom>
+          <a:gradFill>
+            <a:gsLst>
+              <a:gs pos="48000">
+                <a:schemeClr val="bg1"/>
+              </a:gs>
+              <a:gs pos="35000">
+                <a:schemeClr val="bg1">
+                  <a:alpha val="77000"/>
+                </a:schemeClr>
+              </a:gs>
+              <a:gs pos="19000">
+                <a:schemeClr val="bg1">
+                  <a:alpha val="38000"/>
+                </a:schemeClr>
+              </a:gs>
+              <a:gs pos="0">
+                <a:schemeClr val="bg1">
+                  <a:alpha val="0"/>
+                </a:schemeClr>
+              </a:gs>
+              <a:gs pos="100000">
+                <a:schemeClr val="bg1"/>
+              </a:gs>
+            </a:gsLst>
+            <a:lin ang="10800000" scaled="0"/>
+          </a:gradFill>
+          <a:ln>
+            <a:noFill/>
+          </a:ln>
+        </p:spPr>
+        <p:style>
+          <a:lnRef idx="2">
+            <a:schemeClr val="accent1">
+              <a:shade val="50000"/>
+            </a:schemeClr>
+          </a:lnRef>
+          <a:fillRef idx="1">
+            <a:schemeClr val="accent1"/>
+          </a:fillRef>
+          <a:effectRef idx="0">
+            <a:schemeClr val="accent1"/>
+          </a:effectRef>
+          <a:fontRef idx="minor">
+            <a:schemeClr val="lt1"/>
+          </a:fontRef>
+        </p:style>
+        <p:txBody>
+          <a:bodyPr rtlCol="0" anchor="ctr"/>
+          <a:lstStyle/>
+          <a:p>
+            <a:pPr algn="ctr"/>
+            <a:endParaRPr lang="en-US" dirty="0"/>
+          </a:p>
+        </p:txBody>
+      </p:sp>
+      <p:sp>
+        <p:nvSpPr>
+          <p:cNvPr id="3" name="Объект 2">
+            <a:extLst>
+              <a:ext uri="{FF2B5EF4-FFF2-40B4-BE49-F238E27FC236}">
+                <a16:creationId xmlns:a16="http://schemas.microsoft.com/office/drawing/2014/main" id="{7B57D399-9705-14DB-D5A7-C5F9C7B8E7F6}"/>
+              </a:ext>
+            </a:extLst>
+          </p:cNvPr>
+          <p:cNvSpPr>
+            <a:spLocks noGrp="1"/>
+          </p:cNvSpPr>
+          <p:nvPr>
+            <p:ph idx="1"/>
+          </p:nvPr>
+        </p:nvSpPr>
+        <p:spPr>
+          <a:xfrm>
+            <a:off x="838200" y="2434201"/>
+            <a:ext cx="3822189" cy="3742762"/>
           </a:xfrm>
         </p:spPr>
         <p:txBody>
-          <a:bodyPr/>
-          <a:lstStyle/>
-          <a:p>
-            <a:r>
-              <a:rPr lang="en-US" b="0" i="0" dirty="0">
-                <a:solidFill>
-                  <a:srgbClr val="1E1E1E"/>
-                </a:solidFill>
+          <a:bodyPr>
+            <a:normAutofit/>
+          </a:bodyPr>
+          <a:lstStyle/>
+          <a:p>
+            <a:r>
+              <a:rPr lang="en-US" sz="2000" b="0" i="0">
                 <a:effectLst/>
                 <a:latin typeface="Abadi" panose="020B0604020104020204" pitchFamily="34" charset="0"/>
               </a:rPr>
-              <a:t>If you have heard of Metaverse, you know that Facebook is investing heavily in AR. Apple, too came out with </a:t>
-            </a:r>
-            <a:r>
-              <a:rPr lang="en-US" b="0" i="0" dirty="0" err="1">
-                <a:solidFill>
-                  <a:srgbClr val="1E1E1E"/>
-                </a:solidFill>
-                <a:effectLst/>
-                <a:latin typeface="Abadi" panose="020B0604020104020204" pitchFamily="34" charset="0"/>
-              </a:rPr>
-              <a:t>Animojis</a:t>
-            </a:r>
-            <a:r>
-              <a:rPr lang="en-US" b="0" i="0" dirty="0">
-                <a:solidFill>
-                  <a:srgbClr val="1E1E1E"/>
-                </a:solidFill>
-                <a:effectLst/>
-                <a:latin typeface="Abadi" panose="020B0604020104020204" pitchFamily="34" charset="0"/>
-              </a:rPr>
-              <a:t>. But by far, the most popular application of AR camera filters on social media apps like Instagram and Snapchat.</a:t>
-            </a:r>
-            <a:endParaRPr lang="ru-KZ" dirty="0"/>
+              <a:t>If you have heard of Metaverse, you know that Facebook is investing heavily in AR. Apple, too came out with Animojis. But by far, the most popular application of AR camera filters on social media apps like Instagram and Snapchat.</a:t>
+            </a:r>
+            <a:endParaRPr lang="ru-KZ" sz="2000"/>
           </a:p>
         </p:txBody>
       </p:sp>
@@ -4145,6 +4741,14 @@
 <file path=ppt/slides/slide6.xml><?xml version="1.0" encoding="utf-8"?>
 <p:sld xmlns:a="http://schemas.openxmlformats.org/drawingml/2006/main" xmlns:r="http://schemas.openxmlformats.org/officeDocument/2006/relationships" xmlns:p="http://schemas.openxmlformats.org/presentationml/2006/main">
   <p:cSld>
+    <p:bg>
+      <p:bgPr>
+        <a:solidFill>
+          <a:schemeClr val="bg1"/>
+        </a:solidFill>
+        <a:effectLst/>
+      </p:bgPr>
+    </p:bg>
     <p:spTree>
       <p:nvGrpSpPr>
         <p:cNvPr id="1" name=""/>
@@ -4161,83 +4765,180 @@
       </p:grpSpPr>
       <p:sp>
         <p:nvSpPr>
-          <p:cNvPr id="2" name="Заголовок 1">
-            <a:extLst>
-              <a:ext uri="{FF2B5EF4-FFF2-40B4-BE49-F238E27FC236}">
-                <a16:creationId xmlns:a16="http://schemas.microsoft.com/office/drawing/2014/main" id="{9E2EC590-082C-6708-A958-5EE796A7CFC1}"/>
-              </a:ext>
-            </a:extLst>
-          </p:cNvPr>
-          <p:cNvSpPr>
-            <a:spLocks noGrp="1"/>
-          </p:cNvSpPr>
-          <p:nvPr>
-            <p:ph type="title"/>
-          </p:nvPr>
-        </p:nvSpPr>
-        <p:spPr/>
-        <p:txBody>
-          <a:bodyPr/>
-          <a:lstStyle/>
-          <a:p>
-            <a:r>
-              <a:rPr lang="en-US" b="0" i="0" dirty="0">
-                <a:solidFill>
-                  <a:srgbClr val="333333"/>
-                </a:solidFill>
-                <a:effectLst/>
-                <a:latin typeface="Abadi" panose="020B0604020104020204" pitchFamily="34" charset="0"/>
-              </a:rPr>
-              <a:t>How AR filters work</a:t>
-            </a:r>
-            <a:br>
-              <a:rPr lang="en-US" b="0" i="0" dirty="0">
-                <a:solidFill>
-                  <a:srgbClr val="333333"/>
-                </a:solidFill>
-                <a:effectLst/>
-                <a:latin typeface="Abadi" panose="020B0604020104020204" pitchFamily="34" charset="0"/>
-              </a:rPr>
-            </a:br>
-            <a:endParaRPr lang="ru-KZ" dirty="0"/>
-          </a:p>
-        </p:txBody>
-      </p:sp>
-      <p:sp>
-        <p:nvSpPr>
-          <p:cNvPr id="3" name="Объект 2">
-            <a:extLst>
-              <a:ext uri="{FF2B5EF4-FFF2-40B4-BE49-F238E27FC236}">
-                <a16:creationId xmlns:a16="http://schemas.microsoft.com/office/drawing/2014/main" id="{148C6081-6C1E-B3A4-4CC7-DFAE0FF32BFB}"/>
-              </a:ext>
-            </a:extLst>
-          </p:cNvPr>
-          <p:cNvSpPr>
-            <a:spLocks noGrp="1"/>
-          </p:cNvSpPr>
-          <p:nvPr>
-            <p:ph idx="1"/>
+          <p:cNvPr id="5127" name="Rectangle 5126">
+            <a:extLst>
+              <a:ext uri="{FF2B5EF4-FFF2-40B4-BE49-F238E27FC236}">
+                <a16:creationId xmlns:a16="http://schemas.microsoft.com/office/drawing/2014/main" id="{C5E6CFF1-2F42-4E10-9A97-F116F46F53FE}"/>
+              </a:ext>
+              <a:ext uri="{C183D7F6-B498-43B3-948B-1728B52AA6E4}">
+                <adec:decorative xmlns:adec="http://schemas.microsoft.com/office/drawing/2017/decorative" val="1"/>
+              </a:ext>
+            </a:extLst>
+          </p:cNvPr>
+          <p:cNvSpPr>
+            <a:spLocks noGrp="1" noRot="1" noChangeAspect="1" noMove="1" noResize="1" noEditPoints="1" noAdjustHandles="1" noChangeArrowheads="1" noChangeShapeType="1" noTextEdit="1"/>
+          </p:cNvSpPr>
+          <p:nvPr>
+            <p:extLst>
+              <p:ext uri="{386F3935-93C4-4BCD-93E2-E3B085C9AB24}">
+                <p16:designElem xmlns:p16="http://schemas.microsoft.com/office/powerpoint/2015/main" val="1"/>
+              </p:ext>
+            </p:extLst>
           </p:nvPr>
         </p:nvSpPr>
         <p:spPr>
           <a:xfrm>
-            <a:off x="664464" y="1395857"/>
-            <a:ext cx="10515600" cy="4877562"/>
+            <a:off x="0" y="0"/>
+            <a:ext cx="12192000" cy="6858000"/>
+          </a:xfrm>
+          <a:prstGeom prst="rect">
+            <a:avLst/>
+          </a:prstGeom>
+          <a:solidFill>
+            <a:srgbClr val="000000"/>
+          </a:solidFill>
+          <a:ln>
+            <a:noFill/>
+          </a:ln>
+        </p:spPr>
+        <p:style>
+          <a:lnRef idx="2">
+            <a:schemeClr val="accent1">
+              <a:shade val="50000"/>
+            </a:schemeClr>
+          </a:lnRef>
+          <a:fillRef idx="1">
+            <a:schemeClr val="accent1"/>
+          </a:fillRef>
+          <a:effectRef idx="0">
+            <a:schemeClr val="accent1"/>
+          </a:effectRef>
+          <a:fontRef idx="minor">
+            <a:schemeClr val="lt1"/>
+          </a:fontRef>
+        </p:style>
+        <p:txBody>
+          <a:bodyPr rtlCol="0" anchor="ctr"/>
+          <a:lstStyle/>
+          <a:p>
+            <a:pPr algn="ctr"/>
+            <a:endParaRPr lang="en-US"/>
+          </a:p>
+        </p:txBody>
+      </p:sp>
+      <p:pic>
+        <p:nvPicPr>
+          <p:cNvPr id="7" name="Рисунок 6">
+            <a:extLst>
+              <a:ext uri="{FF2B5EF4-FFF2-40B4-BE49-F238E27FC236}">
+                <a16:creationId xmlns:a16="http://schemas.microsoft.com/office/drawing/2014/main" id="{0AE2594D-2FC1-3C22-64AE-D42D70B6926C}"/>
+              </a:ext>
+            </a:extLst>
+          </p:cNvPr>
+          <p:cNvPicPr>
+            <a:picLocks noChangeAspect="1"/>
+          </p:cNvPicPr>
+          <p:nvPr/>
+        </p:nvPicPr>
+        <p:blipFill>
+          <a:blip r:embed="rId2"/>
+          <a:stretch>
+            <a:fillRect/>
+          </a:stretch>
+        </p:blipFill>
+        <p:spPr>
+          <a:xfrm>
+            <a:off x="0" y="752222"/>
+            <a:ext cx="12192000" cy="5334556"/>
+          </a:xfrm>
+          <a:prstGeom prst="rect">
+            <a:avLst/>
+          </a:prstGeom>
+        </p:spPr>
+      </p:pic>
+      <p:cxnSp>
+        <p:nvCxnSpPr>
+          <p:cNvPr id="5129" name="Straight Connector 5128">
+            <a:extLst>
+              <a:ext uri="{FF2B5EF4-FFF2-40B4-BE49-F238E27FC236}">
+                <a16:creationId xmlns:a16="http://schemas.microsoft.com/office/drawing/2014/main" id="{96A8629B-8289-498B-939B-1CA0C106182C}"/>
+              </a:ext>
+              <a:ext uri="{C183D7F6-B498-43B3-948B-1728B52AA6E4}">
+                <adec:decorative xmlns:adec="http://schemas.microsoft.com/office/drawing/2017/decorative" val="1"/>
+              </a:ext>
+            </a:extLst>
+          </p:cNvPr>
+          <p:cNvCxnSpPr>
+            <a:cxnSpLocks noGrp="1" noRot="1" noChangeAspect="1" noMove="1" noResize="1" noEditPoints="1" noAdjustHandles="1" noChangeArrowheads="1" noChangeShapeType="1"/>
+          </p:cNvCxnSpPr>
+          <p:nvPr>
+            <p:extLst>
+              <p:ext uri="{386F3935-93C4-4BCD-93E2-E3B085C9AB24}">
+                <p16:designElem xmlns:p16="http://schemas.microsoft.com/office/powerpoint/2015/main" val="1"/>
+              </p:ext>
+            </p:extLst>
+          </p:nvPr>
+        </p:nvCxnSpPr>
+        <p:spPr>
+          <a:xfrm>
+            <a:off x="7212899" y="2286000"/>
+            <a:ext cx="0" cy="2286000"/>
+          </a:xfrm>
+          <a:prstGeom prst="line">
+            <a:avLst/>
+          </a:prstGeom>
+          <a:ln w="15875">
+            <a:solidFill>
+              <a:srgbClr val="FFFFFF"/>
+            </a:solidFill>
+          </a:ln>
+        </p:spPr>
+        <p:style>
+          <a:lnRef idx="1">
+            <a:schemeClr val="accent1"/>
+          </a:lnRef>
+          <a:fillRef idx="0">
+            <a:schemeClr val="accent1"/>
+          </a:fillRef>
+          <a:effectRef idx="0">
+            <a:schemeClr val="accent1"/>
+          </a:effectRef>
+          <a:fontRef idx="minor">
+            <a:schemeClr val="tx1"/>
+          </a:fontRef>
+        </p:style>
+      </p:cxnSp>
+      <p:sp>
+        <p:nvSpPr>
+          <p:cNvPr id="3" name="Объект 2">
+            <a:extLst>
+              <a:ext uri="{FF2B5EF4-FFF2-40B4-BE49-F238E27FC236}">
+                <a16:creationId xmlns:a16="http://schemas.microsoft.com/office/drawing/2014/main" id="{148C6081-6C1E-B3A4-4CC7-DFAE0FF32BFB}"/>
+              </a:ext>
+            </a:extLst>
+          </p:cNvPr>
+          <p:cNvSpPr>
+            <a:spLocks noGrp="1"/>
+          </p:cNvSpPr>
+          <p:nvPr>
+            <p:ph idx="1"/>
+          </p:nvPr>
+        </p:nvSpPr>
+        <p:spPr>
+          <a:xfrm>
+            <a:off x="7534641" y="1065862"/>
+            <a:ext cx="3860002" cy="4726276"/>
           </a:xfrm>
         </p:spPr>
         <p:txBody>
-          <a:bodyPr>
-            <a:normAutofit fontScale="92500" lnSpcReduction="10000"/>
+          <a:bodyPr anchor="ctr">
+            <a:normAutofit/>
           </a:bodyPr>
           <a:lstStyle/>
           <a:p>
-            <a:pPr algn="just">
-              <a:lnSpc>
-                <a:spcPct val="150000"/>
-              </a:lnSpc>
-            </a:pPr>
-            <a:r>
-              <a:rPr lang="en-US" sz="1600" dirty="0">
+            <a:pPr algn="just"/>
+            <a:r>
+              <a:rPr lang="en-US" sz="1200" dirty="0">
                 <a:latin typeface="Abadi" panose="020B0604020104020204" pitchFamily="34" charset="0"/>
               </a:rPr>
               <a:t>Although it doesn’t seem like it, there are several technologies working together to produce a simple camera filter on your face. Let’s look at the different parts of the puzzle and how they work together.</a:t>
@@ -4245,9 +4946,6 @@
           </a:p>
           <a:p>
             <a:pPr algn="just">
-              <a:lnSpc>
-                <a:spcPct val="150000"/>
-              </a:lnSpc>
               <a:spcAft>
                 <a:spcPts val="2100"/>
               </a:spcAft>
@@ -4255,18 +4953,18 @@
               <a:buAutoNum type="arabicPeriod"/>
             </a:pPr>
             <a:r>
-              <a:rPr lang="en-US" sz="1600" dirty="0">
+              <a:rPr lang="en-US" sz="1200" dirty="0">
                 <a:latin typeface="Abadi" panose="020B0604020104020204" pitchFamily="34" charset="0"/>
               </a:rPr>
               <a:t>Face detection:</a:t>
             </a:r>
             <a:br>
-              <a:rPr lang="en-US" sz="1600" dirty="0">
+              <a:rPr lang="en-US" sz="1200" dirty="0">
                 <a:latin typeface="Abadi" panose="020B0604020104020204" pitchFamily="34" charset="0"/>
               </a:rPr>
             </a:br>
             <a:r>
-              <a:rPr lang="en-US" sz="1600" dirty="0">
+              <a:rPr lang="en-US" sz="1200" dirty="0">
                 <a:latin typeface="Abadi" panose="020B0604020104020204" pitchFamily="34" charset="0"/>
               </a:rPr>
               <a:t>First and foremost, your face is detected in the camera frame. In the past, this was achieved using crude detection methods such as the Viola-Jones algorithm, Histogram of Oriented Gradients ( HOG ), etc. In the present age, with advances in machine learning and mobile hardware getting more and more powerful, it is possible to get good face detection with a significantly modest computational load.</a:t>
@@ -4274,9 +4972,6 @@
           </a:p>
           <a:p>
             <a:pPr algn="just">
-              <a:lnSpc>
-                <a:spcPct val="150000"/>
-              </a:lnSpc>
               <a:spcAft>
                 <a:spcPts val="2100"/>
               </a:spcAft>
@@ -4284,18 +4979,18 @@
               <a:buAutoNum type="arabicPeriod"/>
             </a:pPr>
             <a:r>
-              <a:rPr lang="en-US" sz="1600" dirty="0">
+              <a:rPr lang="en-US" sz="1200" dirty="0">
                 <a:latin typeface="Abadi" panose="020B0604020104020204" pitchFamily="34" charset="0"/>
               </a:rPr>
               <a:t>Feature key points detection:</a:t>
             </a:r>
             <a:br>
-              <a:rPr lang="en-US" sz="1600" dirty="0">
+              <a:rPr lang="en-US" sz="1200" dirty="0">
                 <a:latin typeface="Abadi" panose="020B0604020104020204" pitchFamily="34" charset="0"/>
               </a:rPr>
             </a:br>
             <a:r>
-              <a:rPr lang="en-US" sz="1600" dirty="0">
+              <a:rPr lang="en-US" sz="1200" dirty="0">
                 <a:latin typeface="Abadi" panose="020B0604020104020204" pitchFamily="34" charset="0"/>
               </a:rPr>
               <a:t>Once the face is detected, the next step is to identify the key points of your facial features. A Facial Landmark predictor is used for this, which aligns the predefined set of feature points to your face.</a:t>
@@ -4303,9 +4998,6 @@
           </a:p>
           <a:p>
             <a:pPr algn="just">
-              <a:lnSpc>
-                <a:spcPct val="150000"/>
-              </a:lnSpc>
               <a:spcAft>
                 <a:spcPts val="2100"/>
               </a:spcAft>
@@ -4313,11 +5005,81 @@
               <a:buAutoNum type="arabicPeriod"/>
             </a:pPr>
             <a:r>
-              <a:rPr lang="en-US" sz="1600" dirty="0">
+              <a:rPr lang="en-US" sz="1200" dirty="0">
                 <a:latin typeface="Abadi" panose="020B0604020104020204" pitchFamily="34" charset="0"/>
               </a:rPr>
               <a:t>Applying filter: Finally, the detected key points mesh can be morphed, or a filter can be applied on top of it to change the appearance of the face.</a:t>
             </a:r>
+          </a:p>
+        </p:txBody>
+      </p:sp>
+      <p:sp>
+        <p:nvSpPr>
+          <p:cNvPr id="2" name="Заголовок 1">
+            <a:extLst>
+              <a:ext uri="{FF2B5EF4-FFF2-40B4-BE49-F238E27FC236}">
+                <a16:creationId xmlns:a16="http://schemas.microsoft.com/office/drawing/2014/main" id="{9E2EC590-082C-6708-A958-5EE796A7CFC1}"/>
+              </a:ext>
+            </a:extLst>
+          </p:cNvPr>
+          <p:cNvSpPr>
+            <a:spLocks noGrp="1"/>
+          </p:cNvSpPr>
+          <p:nvPr>
+            <p:ph type="title"/>
+          </p:nvPr>
+        </p:nvSpPr>
+        <p:spPr>
+          <a:xfrm>
+            <a:off x="740853" y="1360502"/>
+            <a:ext cx="6052955" cy="4726276"/>
+          </a:xfrm>
+        </p:spPr>
+        <p:txBody>
+          <a:bodyPr>
+            <a:normAutofit/>
+          </a:bodyPr>
+          <a:lstStyle/>
+          <a:p>
+            <a:r>
+              <a:rPr lang="en-US" sz="8000" b="0" i="0" dirty="0">
+                <a:ln w="22225">
+                  <a:solidFill>
+                    <a:srgbClr val="FFFFFF"/>
+                  </a:solidFill>
+                </a:ln>
+                <a:solidFill>
+                  <a:schemeClr val="bg1"/>
+                </a:solidFill>
+                <a:effectLst/>
+                <a:latin typeface="Abadi" panose="020B0604020104020204" pitchFamily="34" charset="0"/>
+              </a:rPr>
+              <a:t>How AR filters work</a:t>
+            </a:r>
+            <a:br>
+              <a:rPr lang="en-US" sz="8000" b="0" i="0" dirty="0">
+                <a:ln w="22225">
+                  <a:solidFill>
+                    <a:srgbClr val="FFFFFF"/>
+                  </a:solidFill>
+                </a:ln>
+                <a:solidFill>
+                  <a:schemeClr val="bg1"/>
+                </a:solidFill>
+                <a:effectLst/>
+                <a:latin typeface="Abadi" panose="020B0604020104020204" pitchFamily="34" charset="0"/>
+              </a:rPr>
+            </a:br>
+            <a:endParaRPr lang="ru-KZ" sz="8000" dirty="0">
+              <a:ln w="22225">
+                <a:solidFill>
+                  <a:srgbClr val="FFFFFF"/>
+                </a:solidFill>
+              </a:ln>
+              <a:solidFill>
+                <a:schemeClr val="bg1"/>
+              </a:solidFill>
+            </a:endParaRPr>
           </a:p>
         </p:txBody>
       </p:sp>
@@ -4329,7 +5091,7 @@
     </p:extLst>
   </p:cSld>
   <p:clrMapOvr>
-    <a:masterClrMapping/>
+    <a:overrideClrMapping bg1="dk1" tx1="lt1" bg2="dk2" tx2="lt2" accent1="accent1" accent2="accent2" accent3="accent3" accent4="accent4" accent5="accent5" accent6="accent6" hlink="hlink" folHlink="folHlink"/>
   </p:clrMapOvr>
 </p:sld>
 </file>
@@ -4421,106 +5183,112 @@
       </p:sp>
       <p:sp>
         <p:nvSpPr>
-          <p:cNvPr id="7" name="TextBox 6">
-            <a:extLst>
-              <a:ext uri="{FF2B5EF4-FFF2-40B4-BE49-F238E27FC236}">
-                <a16:creationId xmlns:a16="http://schemas.microsoft.com/office/drawing/2014/main" id="{9A44CEB9-19D1-97D7-D0F8-6231285FE261}"/>
-              </a:ext>
-            </a:extLst>
-          </p:cNvPr>
-          <p:cNvSpPr txBox="1"/>
+          <p:cNvPr id="2" name="Прямоугольник 1">
+            <a:extLst>
+              <a:ext uri="{FF2B5EF4-FFF2-40B4-BE49-F238E27FC236}">
+                <a16:creationId xmlns:a16="http://schemas.microsoft.com/office/drawing/2014/main" id="{83FB97D1-899B-C5C6-C4A0-6EC5DF5AF1CF}"/>
+              </a:ext>
+            </a:extLst>
+          </p:cNvPr>
+          <p:cNvSpPr/>
           <p:nvPr/>
         </p:nvSpPr>
         <p:spPr>
           <a:xfrm>
-            <a:off x="6757852" y="1957804"/>
-            <a:ext cx="4806901" cy="3071396"/>
+            <a:off x="-3049" y="0"/>
+            <a:ext cx="12192000" cy="6858000"/>
           </a:xfrm>
           <a:prstGeom prst="rect">
             <a:avLst/>
           </a:prstGeom>
+          <a:solidFill>
+            <a:schemeClr val="tx1">
+              <a:lumMod val="75000"/>
+              <a:lumOff val="25000"/>
+            </a:schemeClr>
+          </a:solidFill>
+          <a:effectLst>
+            <a:glow rad="228600">
+              <a:schemeClr val="accent3">
+                <a:satMod val="175000"/>
+                <a:alpha val="40000"/>
+              </a:schemeClr>
+            </a:glow>
+          </a:effectLst>
         </p:spPr>
-        <p:txBody>
-          <a:bodyPr vert="horz" lIns="91440" tIns="45720" rIns="91440" bIns="45720" rtlCol="0" anchor="ctr">
-            <a:normAutofit lnSpcReduction="10000"/>
-          </a:bodyPr>
-          <a:lstStyle/>
-          <a:p>
-            <a:pPr algn="just">
-              <a:lnSpc>
-                <a:spcPct val="90000"/>
-              </a:lnSpc>
-              <a:spcAft>
-                <a:spcPts val="600"/>
-              </a:spcAft>
-            </a:pPr>
-            <a:r>
-              <a:rPr lang="en-US" sz="2400" b="0" i="0" dirty="0">
-                <a:effectLst/>
-              </a:rPr>
-              <a:t>Why </a:t>
-            </a:r>
-            <a:r>
-              <a:rPr lang="en-US" sz="2400" b="0" i="0" dirty="0" err="1">
-                <a:effectLst/>
-              </a:rPr>
-              <a:t>MediaPipe</a:t>
-            </a:r>
-            <a:r>
-              <a:rPr lang="en-US" sz="2400" b="0" i="0" dirty="0">
-                <a:effectLst/>
-              </a:rPr>
-              <a:t>?</a:t>
-            </a:r>
-          </a:p>
-          <a:p>
-            <a:pPr indent="-228600" algn="just">
-              <a:lnSpc>
-                <a:spcPct val="90000"/>
-              </a:lnSpc>
-              <a:spcAft>
-                <a:spcPts val="600"/>
-              </a:spcAft>
-              <a:buFont typeface="Arial" panose="020B0604020202020204" pitchFamily="34" charset="0"/>
-              <a:buChar char="•"/>
-            </a:pPr>
-            <a:endParaRPr lang="en-US" sz="2400" b="0" i="0" dirty="0">
-              <a:effectLst/>
-            </a:endParaRPr>
-          </a:p>
-          <a:p>
-            <a:pPr indent="-228600" algn="just">
-              <a:lnSpc>
-                <a:spcPct val="90000"/>
-              </a:lnSpc>
-              <a:spcAft>
-                <a:spcPts val="600"/>
-              </a:spcAft>
-              <a:buFont typeface="Arial" panose="020B0604020202020204" pitchFamily="34" charset="0"/>
-              <a:buChar char="•"/>
-            </a:pPr>
-            <a:r>
-              <a:rPr lang="en-US" sz="2400" b="0" i="0" dirty="0">
-                <a:effectLst/>
-              </a:rPr>
-              <a:t>On top of lightweight and blazingly fast performance, </a:t>
-            </a:r>
-            <a:r>
-              <a:rPr lang="en-US" sz="2400" b="0" i="0" dirty="0" err="1">
-                <a:effectLst/>
-              </a:rPr>
-              <a:t>MediaPipe</a:t>
-            </a:r>
-            <a:r>
-              <a:rPr lang="en-US" sz="2400" b="0" i="0" dirty="0">
-                <a:effectLst/>
-              </a:rPr>
-              <a:t> supports cross-platform compatibility. The idea is to build an ML model once and deploy it on different platforms and devices with reproducible results. </a:t>
-            </a:r>
-            <a:endParaRPr lang="en-US" sz="2400" dirty="0"/>
-          </a:p>
-        </p:txBody>
-      </p:sp>
+        <p:style>
+          <a:lnRef idx="2">
+            <a:schemeClr val="accent1">
+              <a:shade val="15000"/>
+            </a:schemeClr>
+          </a:lnRef>
+          <a:fillRef idx="1">
+            <a:schemeClr val="accent1"/>
+          </a:fillRef>
+          <a:effectRef idx="0">
+            <a:schemeClr val="accent1"/>
+          </a:effectRef>
+          <a:fontRef idx="minor">
+            <a:schemeClr val="lt1"/>
+          </a:fontRef>
+        </p:style>
+        <p:txBody>
+          <a:bodyPr rtlCol="0" anchor="ctr"/>
+          <a:lstStyle/>
+          <a:p>
+            <a:pPr algn="ctr"/>
+            <a:endParaRPr lang="ru-KZ"/>
+          </a:p>
+        </p:txBody>
+      </p:sp>
+      <p:pic>
+        <p:nvPicPr>
+          <p:cNvPr id="2050" name="Picture 2" descr="MediaPipe Logo">
+            <a:extLst>
+              <a:ext uri="{FF2B5EF4-FFF2-40B4-BE49-F238E27FC236}">
+                <a16:creationId xmlns:a16="http://schemas.microsoft.com/office/drawing/2014/main" id="{ED4BE64D-A10A-905F-1C19-01509CA56421}"/>
+              </a:ext>
+            </a:extLst>
+          </p:cNvPr>
+          <p:cNvPicPr>
+            <a:picLocks noGrp="1" noChangeAspect="1" noChangeArrowheads="1"/>
+          </p:cNvPicPr>
+          <p:nvPr>
+            <p:ph idx="1"/>
+          </p:nvPr>
+        </p:nvPicPr>
+        <p:blipFill>
+          <a:blip r:embed="rId2">
+            <a:extLst>
+              <a:ext uri="{28A0092B-C50C-407E-A947-70E740481C1C}">
+                <a14:useLocalDpi xmlns:a14="http://schemas.microsoft.com/office/drawing/2010/main" val="0"/>
+              </a:ext>
+            </a:extLst>
+          </a:blip>
+          <a:stretch>
+            <a:fillRect/>
+          </a:stretch>
+        </p:blipFill>
+        <p:spPr bwMode="auto">
+          <a:xfrm>
+            <a:off x="393627" y="201497"/>
+            <a:ext cx="5167185" cy="1250125"/>
+          </a:xfrm>
+          <a:prstGeom prst="rect">
+            <a:avLst/>
+          </a:prstGeom>
+          <a:noFill/>
+          <a:extLst>
+            <a:ext uri="{909E8E84-426E-40DD-AFC4-6F175D3DCCD1}">
+              <a14:hiddenFill xmlns:a14="http://schemas.microsoft.com/office/drawing/2010/main">
+                <a:solidFill>
+                  <a:srgbClr val="FFFFFF"/>
+                </a:solidFill>
+              </a14:hiddenFill>
+            </a:ext>
+          </a:extLst>
+        </p:spPr>
+      </p:pic>
       <p:pic>
         <p:nvPicPr>
           <p:cNvPr id="2052" name="Picture 4" descr="Medisnapchat filters using python&#10;aPipe Solutions - ">
@@ -4536,7 +5304,7 @@
           <p:nvPr/>
         </p:nvPicPr>
         <p:blipFill>
-          <a:blip r:embed="rId2">
+          <a:blip r:embed="rId3">
             <a:extLst>
               <a:ext uri="{28A0092B-C50C-407E-A947-70E740481C1C}">
                 <a14:useLocalDpi xmlns:a14="http://schemas.microsoft.com/office/drawing/2010/main" val="0"/>
@@ -4567,54 +5335,133 @@
           </a:extLst>
         </p:spPr>
       </p:pic>
-      <p:pic>
-        <p:nvPicPr>
-          <p:cNvPr id="2050" name="Picture 2" descr="MediaPipe Logo">
-            <a:extLst>
-              <a:ext uri="{FF2B5EF4-FFF2-40B4-BE49-F238E27FC236}">
-                <a16:creationId xmlns:a16="http://schemas.microsoft.com/office/drawing/2014/main" id="{ED4BE64D-A10A-905F-1C19-01509CA56421}"/>
-              </a:ext>
-            </a:extLst>
-          </p:cNvPr>
-          <p:cNvPicPr>
-            <a:picLocks noGrp="1" noChangeAspect="1" noChangeArrowheads="1"/>
-          </p:cNvPicPr>
-          <p:nvPr>
-            <p:ph idx="1"/>
-          </p:nvPr>
-        </p:nvPicPr>
-        <p:blipFill>
-          <a:blip r:embed="rId3">
-            <a:extLst>
-              <a:ext uri="{28A0092B-C50C-407E-A947-70E740481C1C}">
-                <a14:useLocalDpi xmlns:a14="http://schemas.microsoft.com/office/drawing/2010/main" val="0"/>
-              </a:ext>
-            </a:extLst>
-          </a:blip>
-          <a:stretch>
-            <a:fillRect/>
-          </a:stretch>
-        </p:blipFill>
-        <p:spPr bwMode="auto">
+      <p:sp>
+        <p:nvSpPr>
+          <p:cNvPr id="7" name="TextBox 6">
+            <a:extLst>
+              <a:ext uri="{FF2B5EF4-FFF2-40B4-BE49-F238E27FC236}">
+                <a16:creationId xmlns:a16="http://schemas.microsoft.com/office/drawing/2014/main" id="{9A44CEB9-19D1-97D7-D0F8-6231285FE261}"/>
+              </a:ext>
+            </a:extLst>
+          </p:cNvPr>
+          <p:cNvSpPr txBox="1"/>
+          <p:nvPr/>
+        </p:nvSpPr>
+        <p:spPr>
           <a:xfrm>
-            <a:off x="795332" y="201497"/>
-            <a:ext cx="5167185" cy="1250125"/>
+            <a:off x="6757852" y="1957804"/>
+            <a:ext cx="4806901" cy="3071396"/>
           </a:xfrm>
           <a:prstGeom prst="rect">
             <a:avLst/>
           </a:prstGeom>
-          <a:noFill/>
-          <a:extLst>
-            <a:ext uri="{909E8E84-426E-40DD-AFC4-6F175D3DCCD1}">
-              <a14:hiddenFill xmlns:a14="http://schemas.microsoft.com/office/drawing/2010/main">
+        </p:spPr>
+        <p:txBody>
+          <a:bodyPr vert="horz" lIns="91440" tIns="45720" rIns="91440" bIns="45720" rtlCol="0" anchor="ctr">
+            <a:normAutofit lnSpcReduction="10000"/>
+          </a:bodyPr>
+          <a:lstStyle/>
+          <a:p>
+            <a:pPr algn="just">
+              <a:lnSpc>
+                <a:spcPct val="90000"/>
+              </a:lnSpc>
+              <a:spcAft>
+                <a:spcPts val="600"/>
+              </a:spcAft>
+            </a:pPr>
+            <a:r>
+              <a:rPr lang="en-US" sz="2400" b="0" i="0" dirty="0">
                 <a:solidFill>
-                  <a:srgbClr val="FFFFFF"/>
+                  <a:schemeClr val="bg1"/>
                 </a:solidFill>
-              </a14:hiddenFill>
-            </a:ext>
-          </a:extLst>
-        </p:spPr>
-      </p:pic>
+                <a:effectLst/>
+              </a:rPr>
+              <a:t>Why </a:t>
+            </a:r>
+            <a:r>
+              <a:rPr lang="en-US" sz="2400" b="0" i="0" dirty="0" err="1">
+                <a:solidFill>
+                  <a:schemeClr val="bg1"/>
+                </a:solidFill>
+                <a:effectLst/>
+              </a:rPr>
+              <a:t>MediaPipe</a:t>
+            </a:r>
+            <a:r>
+              <a:rPr lang="en-US" sz="2400" b="0" i="0" dirty="0">
+                <a:solidFill>
+                  <a:schemeClr val="bg1"/>
+                </a:solidFill>
+                <a:effectLst/>
+              </a:rPr>
+              <a:t>?</a:t>
+            </a:r>
+          </a:p>
+          <a:p>
+            <a:pPr indent="-228600" algn="just">
+              <a:lnSpc>
+                <a:spcPct val="90000"/>
+              </a:lnSpc>
+              <a:spcAft>
+                <a:spcPts val="600"/>
+              </a:spcAft>
+              <a:buFont typeface="Arial" panose="020B0604020202020204" pitchFamily="34" charset="0"/>
+              <a:buChar char="•"/>
+            </a:pPr>
+            <a:endParaRPr lang="en-US" sz="2400" b="0" i="0" dirty="0">
+              <a:solidFill>
+                <a:schemeClr val="bg1"/>
+              </a:solidFill>
+              <a:effectLst/>
+            </a:endParaRPr>
+          </a:p>
+          <a:p>
+            <a:pPr indent="-228600" algn="just">
+              <a:lnSpc>
+                <a:spcPct val="90000"/>
+              </a:lnSpc>
+              <a:spcAft>
+                <a:spcPts val="600"/>
+              </a:spcAft>
+              <a:buFont typeface="Arial" panose="020B0604020202020204" pitchFamily="34" charset="0"/>
+              <a:buChar char="•"/>
+            </a:pPr>
+            <a:r>
+              <a:rPr lang="en-US" sz="2400" b="0" i="0" dirty="0">
+                <a:solidFill>
+                  <a:schemeClr val="bg1"/>
+                </a:solidFill>
+                <a:effectLst/>
+              </a:rPr>
+              <a:t>On top of lightweight and blazingly fast performance, </a:t>
+            </a:r>
+            <a:r>
+              <a:rPr lang="en-US" sz="2400" b="0" i="0" dirty="0" err="1">
+                <a:solidFill>
+                  <a:schemeClr val="bg1"/>
+                </a:solidFill>
+                <a:effectLst/>
+              </a:rPr>
+              <a:t>MediaPipe</a:t>
+            </a:r>
+            <a:r>
+              <a:rPr lang="en-US" sz="2400" b="0" i="0" dirty="0">
+                <a:solidFill>
+                  <a:schemeClr val="bg1"/>
+                </a:solidFill>
+                <a:effectLst/>
+              </a:rPr>
+              <a:t> supports cross-platform compatibility. The idea is to build an ML model once and deploy it on different platforms and devices with reproducible results. </a:t>
+            </a:r>
+            <a:endParaRPr lang="en-US" sz="2400" dirty="0">
+              <a:solidFill>
+                <a:schemeClr val="bg1"/>
+              </a:solidFill>
+            </a:endParaRPr>
+          </a:p>
+        </p:txBody>
+      </p:sp>
     </p:spTree>
     <p:extLst>
       <p:ext uri="{BB962C8B-B14F-4D97-AF65-F5344CB8AC3E}">
